--- a/S1-Introduction+to+MV.pptx
+++ b/S1-Introduction+to+MV.pptx
@@ -176,6 +176,14 @@
 </p:presentation>
 </file>
 
+<file path=ppt/revisionInfo.xml><?xml version="1.0" encoding="utf-8"?>
+<p1510:revInfo xmlns:a="http://schemas.openxmlformats.org/drawingml/2006/main" xmlns:r="http://schemas.openxmlformats.org/officeDocument/2006/relationships" xmlns:p1510="http://schemas.microsoft.com/office/powerpoint/2015/10/main">
+  <p1510:revLst>
+    <p1510:client id="{8AC00191-640E-E544-BA0C-EABFC9E7FE86}" v="1" dt="2022-02-17T02:34:54.563"/>
+  </p1510:revLst>
+</p1510:revInfo>
+</file>
+
 <file path=ppt/changesInfos/changesInfo1.xml><?xml version="1.0" encoding="utf-8"?>
 <pc:chgInfo xmlns:a="http://schemas.openxmlformats.org/drawingml/2006/main" xmlns:r="http://schemas.openxmlformats.org/officeDocument/2006/relationships" xmlns:ac="http://schemas.microsoft.com/office/drawing/2013/main/command" xmlns:pc="http://schemas.microsoft.com/office/powerpoint/2013/main/command">
   <pc:docChgLst>
@@ -199,6 +207,45 @@
             <ac:inkMk id="3" creationId="{C587E1EC-425D-7E48-8421-3FEFBBE0F74A}"/>
           </ac:inkMkLst>
         </pc:inkChg>
+      </pc:sldChg>
+    </pc:docChg>
+  </pc:docChgLst>
+  <pc:docChgLst>
+    <pc:chgData name="Xingkai Wu" userId="ff39b276-e29e-4ef7-851e-48539f5803f5" providerId="ADAL" clId="{8AC00191-640E-E544-BA0C-EABFC9E7FE86}"/>
+    <pc:docChg chg="undo custSel modSld">
+      <pc:chgData name="Xingkai Wu" userId="ff39b276-e29e-4ef7-851e-48539f5803f5" providerId="ADAL" clId="{8AC00191-640E-E544-BA0C-EABFC9E7FE86}" dt="2022-02-17T02:34:57.701" v="6"/>
+      <pc:docMkLst>
+        <pc:docMk/>
+      </pc:docMkLst>
+      <pc:sldChg chg="modSp mod">
+        <pc:chgData name="Xingkai Wu" userId="ff39b276-e29e-4ef7-851e-48539f5803f5" providerId="ADAL" clId="{8AC00191-640E-E544-BA0C-EABFC9E7FE86}" dt="2022-02-17T01:07:01.401" v="3" actId="1036"/>
+        <pc:sldMkLst>
+          <pc:docMk/>
+          <pc:sldMk cId="438688603" sldId="346"/>
+        </pc:sldMkLst>
+        <pc:spChg chg="mod">
+          <ac:chgData name="Xingkai Wu" userId="ff39b276-e29e-4ef7-851e-48539f5803f5" providerId="ADAL" clId="{8AC00191-640E-E544-BA0C-EABFC9E7FE86}" dt="2022-02-17T01:07:01.401" v="3" actId="1036"/>
+          <ac:spMkLst>
+            <pc:docMk/>
+            <pc:sldMk cId="438688603" sldId="346"/>
+            <ac:spMk id="3" creationId="{00000000-0000-0000-0000-000000000000}"/>
+          </ac:spMkLst>
+        </pc:spChg>
+      </pc:sldChg>
+      <pc:sldChg chg="addSp delSp modSp mod">
+        <pc:chgData name="Xingkai Wu" userId="ff39b276-e29e-4ef7-851e-48539f5803f5" providerId="ADAL" clId="{8AC00191-640E-E544-BA0C-EABFC9E7FE86}" dt="2022-02-17T02:34:57.701" v="6"/>
+        <pc:sldMkLst>
+          <pc:docMk/>
+          <pc:sldMk cId="2492571679" sldId="377"/>
+        </pc:sldMkLst>
+        <pc:spChg chg="add del mod">
+          <ac:chgData name="Xingkai Wu" userId="ff39b276-e29e-4ef7-851e-48539f5803f5" providerId="ADAL" clId="{8AC00191-640E-E544-BA0C-EABFC9E7FE86}" dt="2022-02-17T02:34:57.701" v="6"/>
+          <ac:spMkLst>
+            <pc:docMk/>
+            <pc:sldMk cId="2492571679" sldId="377"/>
+            <ac:spMk id="4" creationId="{FBB66266-D0FF-5147-B2DA-BC023623B3A6}"/>
+          </ac:spMkLst>
+        </pc:spChg>
       </pc:sldChg>
     </pc:docChg>
   </pc:docChgLst>
@@ -315,7 +362,7 @@
           <a:p>
             <a:fld id="{5AC605B7-4C12-45B7-8630-4807B88CCFAC}" type="datetimeFigureOut">
               <a:rPr lang="en-US" smtClean="0"/>
-              <a:t>1/13/22</a:t>
+              <a:t>2/16/22</a:t>
             </a:fld>
             <a:endParaRPr lang="en-US"/>
           </a:p>
@@ -808,7 +855,7 @@
           <a:p>
             <a:fld id="{BD4DBF81-E95E-4A76-A47C-EA481D1C8073}" type="datetimeFigureOut">
               <a:rPr lang="en-US" smtClean="0"/>
-              <a:t>1/13/22</a:t>
+              <a:t>2/16/22</a:t>
             </a:fld>
             <a:endParaRPr lang="en-US" dirty="0"/>
           </a:p>
@@ -1016,7 +1063,7 @@
           <a:p>
             <a:fld id="{BD4DBF81-E95E-4A76-A47C-EA481D1C8073}" type="datetimeFigureOut">
               <a:rPr lang="en-US" smtClean="0"/>
-              <a:t>1/13/22</a:t>
+              <a:t>2/16/22</a:t>
             </a:fld>
             <a:endParaRPr lang="en-US" dirty="0"/>
           </a:p>
@@ -1272,7 +1319,7 @@
           <a:p>
             <a:fld id="{BD4DBF81-E95E-4A76-A47C-EA481D1C8073}" type="datetimeFigureOut">
               <a:rPr lang="en-US" smtClean="0"/>
-              <a:t>1/13/22</a:t>
+              <a:t>2/16/22</a:t>
             </a:fld>
             <a:endParaRPr lang="en-US" dirty="0"/>
           </a:p>
@@ -1446,7 +1493,7 @@
           <a:p>
             <a:fld id="{BD4DBF81-E95E-4A76-A47C-EA481D1C8073}" type="datetimeFigureOut">
               <a:rPr lang="en-US" smtClean="0"/>
-              <a:t>1/13/22</a:t>
+              <a:t>2/16/22</a:t>
             </a:fld>
             <a:endParaRPr lang="en-US" dirty="0"/>
           </a:p>
@@ -1789,7 +1836,7 @@
           <a:p>
             <a:fld id="{BD4DBF81-E95E-4A76-A47C-EA481D1C8073}" type="datetimeFigureOut">
               <a:rPr lang="en-US" smtClean="0"/>
-              <a:t>1/13/22</a:t>
+              <a:t>2/16/22</a:t>
             </a:fld>
             <a:endParaRPr lang="en-US" dirty="0"/>
           </a:p>
@@ -2064,7 +2111,7 @@
           <a:p>
             <a:fld id="{BD4DBF81-E95E-4A76-A47C-EA481D1C8073}" type="datetimeFigureOut">
               <a:rPr lang="en-US" smtClean="0"/>
-              <a:t>1/13/22</a:t>
+              <a:t>2/16/22</a:t>
             </a:fld>
             <a:endParaRPr lang="en-US" dirty="0"/>
           </a:p>
@@ -2443,7 +2490,7 @@
           <a:p>
             <a:fld id="{BD4DBF81-E95E-4A76-A47C-EA481D1C8073}" type="datetimeFigureOut">
               <a:rPr lang="en-US" smtClean="0"/>
-              <a:t>1/13/22</a:t>
+              <a:t>2/16/22</a:t>
             </a:fld>
             <a:endParaRPr lang="en-US" dirty="0"/>
           </a:p>
@@ -2561,7 +2608,7 @@
           <a:p>
             <a:fld id="{BD4DBF81-E95E-4A76-A47C-EA481D1C8073}" type="datetimeFigureOut">
               <a:rPr lang="en-US" smtClean="0"/>
-              <a:t>1/13/22</a:t>
+              <a:t>2/16/22</a:t>
             </a:fld>
             <a:endParaRPr lang="en-US" dirty="0"/>
           </a:p>
@@ -2732,7 +2779,7 @@
           <a:p>
             <a:fld id="{BD4DBF81-E95E-4A76-A47C-EA481D1C8073}" type="datetimeFigureOut">
               <a:rPr lang="en-US" smtClean="0"/>
-              <a:t>1/13/22</a:t>
+              <a:t>2/16/22</a:t>
             </a:fld>
             <a:endParaRPr lang="en-US" dirty="0"/>
           </a:p>
@@ -3086,7 +3133,7 @@
           <a:p>
             <a:fld id="{BD4DBF81-E95E-4A76-A47C-EA481D1C8073}" type="datetimeFigureOut">
               <a:rPr lang="en-US" smtClean="0"/>
-              <a:t>1/13/22</a:t>
+              <a:t>2/16/22</a:t>
             </a:fld>
             <a:endParaRPr lang="en-US" dirty="0"/>
           </a:p>
@@ -3467,7 +3514,7 @@
           <a:p>
             <a:fld id="{BD4DBF81-E95E-4A76-A47C-EA481D1C8073}" type="datetimeFigureOut">
               <a:rPr lang="en-US" smtClean="0"/>
-              <a:t>1/13/22</a:t>
+              <a:t>2/16/22</a:t>
             </a:fld>
             <a:endParaRPr lang="en-US" dirty="0"/>
           </a:p>
@@ -3754,7 +3801,7 @@
           <a:p>
             <a:fld id="{BD4DBF81-E95E-4A76-A47C-EA481D1C8073}" type="datetimeFigureOut">
               <a:rPr lang="en-US" smtClean="0"/>
-              <a:t>1/13/22</a:t>
+              <a:t>2/16/22</a:t>
             </a:fld>
             <a:endParaRPr lang="en-US" dirty="0"/>
           </a:p>
@@ -10397,7 +10444,7 @@
         </p:nvSpPr>
         <p:spPr>
           <a:xfrm>
-            <a:off x="1180407" y="3284377"/>
+            <a:off x="1180407" y="3311271"/>
             <a:ext cx="10058399" cy="2537133"/>
           </a:xfrm>
         </p:spPr>
@@ -15653,7 +15700,7 @@
         </p:nvGraphicFramePr>
         <p:xfrm>
           <a:off x="1223219" y="1945619"/>
-          <a:ext cx="4203300" cy="3118104"/>
+          <a:ext cx="4203300" cy="2958846"/>
         </p:xfrm>
         <a:graphic>
           <a:graphicData uri="http://schemas.openxmlformats.org/drawingml/2006/table">
@@ -35020,8 +35067,8 @@
           </a:p>
         </p:txBody>
       </p:sp>
-      <mc:AlternateContent xmlns:mc="http://schemas.openxmlformats.org/markup-compatibility/2006">
-        <mc:Choice xmlns:p14="http://schemas.microsoft.com/office/powerpoint/2010/main" Requires="p14">
+      <mc:AlternateContent xmlns:mc="http://schemas.openxmlformats.org/markup-compatibility/2006" xmlns:p14="http://schemas.microsoft.com/office/powerpoint/2010/main">
+        <mc:Choice Requires="p14">
           <p:contentPart p14:bwMode="auto" r:id="rId2">
             <p14:nvContentPartPr>
               <p14:cNvPr id="3" name="Ink 2">
@@ -35040,7 +35087,7 @@
             </p14:xfrm>
           </p:contentPart>
         </mc:Choice>
-        <mc:Fallback>
+        <mc:Fallback xmlns="">
           <p:pic>
             <p:nvPicPr>
               <p:cNvPr id="3" name="Ink 2">
